--- a/javascript.pptx
+++ b/javascript.pptx
@@ -13,8 +13,8 @@
     <p:sldId id="261" r:id="rId7"/>
     <p:sldId id="262" r:id="rId8"/>
     <p:sldId id="263" r:id="rId9"/>
-    <p:sldId id="264" r:id="rId10"/>
-    <p:sldId id="265" r:id="rId11"/>
+    <p:sldId id="265" r:id="rId10"/>
+    <p:sldId id="264" r:id="rId11"/>
     <p:sldId id="266" r:id="rId12"/>
     <p:sldId id="267" r:id="rId13"/>
     <p:sldId id="268" r:id="rId14"/>
@@ -355,7 +355,7 @@
             <a:fld id="{B61BEF0D-F0BB-DE4B-95CE-6DB70DBA9567}" type="datetimeFigureOut">
               <a:rPr lang="en-US" smtClean="0"/>
               <a:pPr/>
-              <a:t>3/15/2023</a:t>
+              <a:t>6/22/2023</a:t>
             </a:fld>
             <a:endParaRPr lang="en-US" dirty="0"/>
           </a:p>
@@ -691,7 +691,7 @@
             <a:fld id="{B61BEF0D-F0BB-DE4B-95CE-6DB70DBA9567}" type="datetimeFigureOut">
               <a:rPr lang="en-US" smtClean="0"/>
               <a:pPr/>
-              <a:t>3/15/2023</a:t>
+              <a:t>6/22/2023</a:t>
             </a:fld>
             <a:endParaRPr lang="en-US" dirty="0"/>
           </a:p>
@@ -971,7 +971,7 @@
             <a:fld id="{B61BEF0D-F0BB-DE4B-95CE-6DB70DBA9567}" type="datetimeFigureOut">
               <a:rPr lang="en-US" smtClean="0"/>
               <a:pPr/>
-              <a:t>3/15/2023</a:t>
+              <a:t>6/22/2023</a:t>
             </a:fld>
             <a:endParaRPr lang="en-US" dirty="0"/>
           </a:p>
@@ -1541,7 +1541,7 @@
             <a:fld id="{B61BEF0D-F0BB-DE4B-95CE-6DB70DBA9567}" type="datetimeFigureOut">
               <a:rPr lang="en-US" smtClean="0"/>
               <a:pPr/>
-              <a:t>3/15/2023</a:t>
+              <a:t>6/22/2023</a:t>
             </a:fld>
             <a:endParaRPr lang="en-US" dirty="0"/>
           </a:p>
@@ -1821,7 +1821,7 @@
             <a:fld id="{B61BEF0D-F0BB-DE4B-95CE-6DB70DBA9567}" type="datetimeFigureOut">
               <a:rPr lang="en-US" smtClean="0"/>
               <a:pPr/>
-              <a:t>3/15/2023</a:t>
+              <a:t>6/22/2023</a:t>
             </a:fld>
             <a:endParaRPr lang="en-US" dirty="0"/>
           </a:p>
@@ -2385,7 +2385,7 @@
             <a:fld id="{B61BEF0D-F0BB-DE4B-95CE-6DB70DBA9567}" type="datetimeFigureOut">
               <a:rPr lang="en-US" smtClean="0"/>
               <a:pPr/>
-              <a:t>3/15/2023</a:t>
+              <a:t>6/22/2023</a:t>
             </a:fld>
             <a:endParaRPr lang="en-US" dirty="0"/>
           </a:p>
@@ -2714,7 +2714,7 @@
             <a:fld id="{B61BEF0D-F0BB-DE4B-95CE-6DB70DBA9567}" type="datetimeFigureOut">
               <a:rPr lang="en-US" smtClean="0"/>
               <a:pPr/>
-              <a:t>3/15/2023</a:t>
+              <a:t>6/22/2023</a:t>
             </a:fld>
             <a:endParaRPr lang="en-US" dirty="0"/>
           </a:p>
@@ -2893,7 +2893,7 @@
             <a:fld id="{B61BEF0D-F0BB-DE4B-95CE-6DB70DBA9567}" type="datetimeFigureOut">
               <a:rPr lang="en-US" smtClean="0"/>
               <a:pPr/>
-              <a:t>3/15/2023</a:t>
+              <a:t>6/22/2023</a:t>
             </a:fld>
             <a:endParaRPr lang="en-US" dirty="0"/>
           </a:p>
@@ -3133,7 +3133,7 @@
             <a:fld id="{B61BEF0D-F0BB-DE4B-95CE-6DB70DBA9567}" type="datetimeFigureOut">
               <a:rPr lang="en-US" smtClean="0"/>
               <a:pPr/>
-              <a:t>3/15/2023</a:t>
+              <a:t>6/22/2023</a:t>
             </a:fld>
             <a:endParaRPr lang="en-US" dirty="0"/>
           </a:p>
@@ -3335,7 +3335,7 @@
             <a:fld id="{B61BEF0D-F0BB-DE4B-95CE-6DB70DBA9567}" type="datetimeFigureOut">
               <a:rPr lang="en-US" smtClean="0"/>
               <a:pPr/>
-              <a:t>3/15/2023</a:t>
+              <a:t>6/22/2023</a:t>
             </a:fld>
             <a:endParaRPr lang="en-US" dirty="0"/>
           </a:p>
@@ -3613,7 +3613,7 @@
             <a:fld id="{B61BEF0D-F0BB-DE4B-95CE-6DB70DBA9567}" type="datetimeFigureOut">
               <a:rPr lang="en-US" smtClean="0"/>
               <a:pPr/>
-              <a:t>3/15/2023</a:t>
+              <a:t>6/22/2023</a:t>
             </a:fld>
             <a:endParaRPr lang="en-US" dirty="0"/>
           </a:p>
@@ -3881,7 +3881,7 @@
             <a:fld id="{B61BEF0D-F0BB-DE4B-95CE-6DB70DBA9567}" type="datetimeFigureOut">
               <a:rPr lang="en-US" smtClean="0"/>
               <a:pPr/>
-              <a:t>3/15/2023</a:t>
+              <a:t>6/22/2023</a:t>
             </a:fld>
             <a:endParaRPr lang="en-US" dirty="0"/>
           </a:p>
@@ -4257,7 +4257,7 @@
             <a:fld id="{B61BEF0D-F0BB-DE4B-95CE-6DB70DBA9567}" type="datetimeFigureOut">
               <a:rPr lang="en-US" smtClean="0"/>
               <a:pPr/>
-              <a:t>3/15/2023</a:t>
+              <a:t>6/22/2023</a:t>
             </a:fld>
             <a:endParaRPr lang="en-US" dirty="0"/>
           </a:p>
@@ -4407,7 +4407,7 @@
             <a:fld id="{B61BEF0D-F0BB-DE4B-95CE-6DB70DBA9567}" type="datetimeFigureOut">
               <a:rPr lang="en-US" smtClean="0"/>
               <a:pPr/>
-              <a:t>3/15/2023</a:t>
+              <a:t>6/22/2023</a:t>
             </a:fld>
             <a:endParaRPr lang="en-US" dirty="0"/>
           </a:p>
@@ -4534,7 +4534,7 @@
             <a:fld id="{B61BEF0D-F0BB-DE4B-95CE-6DB70DBA9567}" type="datetimeFigureOut">
               <a:rPr lang="en-US" smtClean="0"/>
               <a:pPr/>
-              <a:t>3/15/2023</a:t>
+              <a:t>6/22/2023</a:t>
             </a:fld>
             <a:endParaRPr lang="en-US" dirty="0"/>
           </a:p>
@@ -4821,7 +4821,7 @@
             <a:fld id="{B61BEF0D-F0BB-DE4B-95CE-6DB70DBA9567}" type="datetimeFigureOut">
               <a:rPr lang="en-US" smtClean="0"/>
               <a:pPr/>
-              <a:t>3/15/2023</a:t>
+              <a:t>6/22/2023</a:t>
             </a:fld>
             <a:endParaRPr lang="en-US" dirty="0"/>
           </a:p>
@@ -5147,7 +5147,7 @@
             <a:fld id="{B61BEF0D-F0BB-DE4B-95CE-6DB70DBA9567}" type="datetimeFigureOut">
               <a:rPr lang="en-US" smtClean="0"/>
               <a:pPr/>
-              <a:t>3/15/2023</a:t>
+              <a:t>6/22/2023</a:t>
             </a:fld>
             <a:endParaRPr lang="en-US" dirty="0"/>
           </a:p>
@@ -5363,7 +5363,7 @@
             <a:fld id="{B61BEF0D-F0BB-DE4B-95CE-6DB70DBA9567}" type="datetimeFigureOut">
               <a:rPr lang="en-US" smtClean="0"/>
               <a:pPr/>
-              <a:t>3/15/2023</a:t>
+              <a:t>6/22/2023</a:t>
             </a:fld>
             <a:endParaRPr lang="en-US" dirty="0"/>
           </a:p>
@@ -6506,7 +6506,7 @@
               <a:rPr lang="fr-SN" sz="3600" dirty="0">
                 <a:latin typeface="Constantia" panose="02030602050306030303" pitchFamily="18" charset="0"/>
               </a:rPr>
-              <a:t>Les Tableaux</a:t>
+              <a:t>Les chaines de caractères</a:t>
             </a:r>
             <a:endParaRPr lang="en-US" sz="3600" dirty="0">
               <a:latin typeface="Constantia" panose="02030602050306030303" pitchFamily="18" charset="0"/>
@@ -6579,10 +6579,16 @@
               <a:buChar char="•"/>
             </a:pPr>
             <a:r>
+              <a:rPr lang="fr-SN" sz="2400" dirty="0" err="1">
+                <a:latin typeface="Constantia" panose="02030602050306030303" pitchFamily="18" charset="0"/>
+              </a:rPr>
+              <a:t>charAt</a:t>
+            </a:r>
+            <a:r>
               <a:rPr lang="fr-SN" sz="2400" dirty="0">
                 <a:latin typeface="Constantia" panose="02030602050306030303" pitchFamily="18" charset="0"/>
               </a:rPr>
-              <a:t>at(), []</a:t>
+              <a:t>(), []</a:t>
             </a:r>
             <a:r>
               <a:rPr lang="fr-FR" sz="2400" dirty="0">
@@ -6626,7 +6632,7 @@
               <a:rPr lang="fr-SN" sz="2400" dirty="0" err="1">
                 <a:latin typeface="Constantia" panose="02030602050306030303" pitchFamily="18" charset="0"/>
               </a:rPr>
-              <a:t>forEach</a:t>
+              <a:t>Concat</a:t>
             </a:r>
             <a:r>
               <a:rPr lang="fr-SN" sz="2400" dirty="0">
@@ -6676,13 +6682,31 @@
               <a:rPr lang="fr-SN" sz="2400" dirty="0" err="1">
                 <a:latin typeface="Constantia" panose="02030602050306030303" pitchFamily="18" charset="0"/>
               </a:rPr>
-              <a:t>join</a:t>
+              <a:t>startsWith</a:t>
             </a:r>
             <a:r>
               <a:rPr lang="fr-SN" sz="2400" dirty="0">
                 <a:latin typeface="Constantia" panose="02030602050306030303" pitchFamily="18" charset="0"/>
               </a:rPr>
+              <a:t>(), </a:t>
+            </a:r>
+            <a:r>
+              <a:rPr lang="fr-SN" sz="2400" dirty="0" err="1">
+                <a:latin typeface="Constantia" panose="02030602050306030303" pitchFamily="18" charset="0"/>
+              </a:rPr>
+              <a:t>endsWith</a:t>
+            </a:r>
+            <a:r>
+              <a:rPr lang="fr-SN" sz="2400" dirty="0">
+                <a:latin typeface="Constantia" panose="02030602050306030303" pitchFamily="18" charset="0"/>
+              </a:rPr>
               <a:t>()</a:t>
+            </a:r>
+            <a:r>
+              <a:rPr lang="fr-FR" sz="2400" dirty="0">
+                <a:latin typeface="Constantia" panose="02030602050306030303" pitchFamily="18" charset="0"/>
+              </a:rPr>
+              <a:t> </a:t>
             </a:r>
             <a:endParaRPr lang="en-US" sz="2400" dirty="0">
               <a:latin typeface="Constantia" panose="02030602050306030303" pitchFamily="18" charset="0"/>
@@ -6717,10 +6741,34 @@
               <a:buChar char="•"/>
             </a:pPr>
             <a:r>
+              <a:rPr lang="fr-SN" sz="2400" dirty="0" err="1">
+                <a:latin typeface="Constantia" panose="02030602050306030303" pitchFamily="18" charset="0"/>
+              </a:rPr>
+              <a:t>padStart</a:t>
+            </a:r>
+            <a:r>
               <a:rPr lang="fr-SN" sz="2400" dirty="0">
                 <a:latin typeface="Constantia" panose="02030602050306030303" pitchFamily="18" charset="0"/>
               </a:rPr>
-              <a:t>push()</a:t>
+              <a:t>(), </a:t>
+            </a:r>
+            <a:r>
+              <a:rPr lang="fr-SN" sz="2400" dirty="0" err="1">
+                <a:latin typeface="Constantia" panose="02030602050306030303" pitchFamily="18" charset="0"/>
+              </a:rPr>
+              <a:t>padEnd</a:t>
+            </a:r>
+            <a:r>
+              <a:rPr lang="fr-SN" sz="2400" dirty="0">
+                <a:latin typeface="Constantia" panose="02030602050306030303" pitchFamily="18" charset="0"/>
+              </a:rPr>
+              <a:t>()</a:t>
+            </a:r>
+            <a:r>
+              <a:rPr lang="fr-FR" sz="2400" dirty="0">
+                <a:latin typeface="Constantia" panose="02030602050306030303" pitchFamily="18" charset="0"/>
+              </a:rPr>
+              <a:t> </a:t>
             </a:r>
             <a:endParaRPr lang="en-US" sz="2400" dirty="0">
               <a:latin typeface="Constantia" panose="02030602050306030303" pitchFamily="18" charset="0"/>
@@ -6758,13 +6806,37 @@
               <a:rPr lang="fr-SN" sz="2400" dirty="0" err="1">
                 <a:latin typeface="Constantia" panose="02030602050306030303" pitchFamily="18" charset="0"/>
               </a:rPr>
-              <a:t>unshift</a:t>
+              <a:t>Trim</a:t>
             </a:r>
             <a:r>
               <a:rPr lang="fr-SN" sz="2400" dirty="0">
                 <a:latin typeface="Constantia" panose="02030602050306030303" pitchFamily="18" charset="0"/>
               </a:rPr>
-              <a:t>(), shift ()</a:t>
+              <a:t>(), </a:t>
+            </a:r>
+            <a:r>
+              <a:rPr lang="fr-SN" sz="2400" dirty="0" err="1">
+                <a:latin typeface="Constantia" panose="02030602050306030303" pitchFamily="18" charset="0"/>
+              </a:rPr>
+              <a:t>trimStart</a:t>
+            </a:r>
+            <a:r>
+              <a:rPr lang="fr-SN" sz="2400" dirty="0">
+                <a:latin typeface="Constantia" panose="02030602050306030303" pitchFamily="18" charset="0"/>
+              </a:rPr>
+              <a:t>(), </a:t>
+            </a:r>
+            <a:r>
+              <a:rPr lang="fr-SN" sz="2400" dirty="0" err="1">
+                <a:latin typeface="Constantia" panose="02030602050306030303" pitchFamily="18" charset="0"/>
+              </a:rPr>
+              <a:t>trimEnd</a:t>
+            </a:r>
+            <a:r>
+              <a:rPr lang="fr-SN" sz="2400" dirty="0">
+                <a:latin typeface="Constantia" panose="02030602050306030303" pitchFamily="18" charset="0"/>
+              </a:rPr>
+              <a:t>()</a:t>
             </a:r>
             <a:r>
               <a:rPr lang="fr-FR" sz="2400" dirty="0">
@@ -6808,7 +6880,7 @@
               <a:rPr lang="fr-SN" sz="2400" dirty="0">
                 <a:latin typeface="Constantia" panose="02030602050306030303" pitchFamily="18" charset="0"/>
               </a:rPr>
-              <a:t>pop()</a:t>
+              <a:t>Repeat()</a:t>
             </a:r>
             <a:r>
               <a:rPr lang="fr-FR" sz="2400" dirty="0">
@@ -6852,7 +6924,25 @@
               <a:rPr lang="fr-SN" sz="2400" dirty="0">
                 <a:latin typeface="Constantia" panose="02030602050306030303" pitchFamily="18" charset="0"/>
               </a:rPr>
-              <a:t>Reverse()</a:t>
+              <a:t>Replace(), </a:t>
+            </a:r>
+            <a:r>
+              <a:rPr lang="fr-SN" sz="2400" dirty="0" err="1">
+                <a:latin typeface="Constantia" panose="02030602050306030303" pitchFamily="18" charset="0"/>
+              </a:rPr>
+              <a:t>replaceAll</a:t>
+            </a:r>
+            <a:r>
+              <a:rPr lang="fr-SN" sz="2400" dirty="0">
+                <a:latin typeface="Constantia" panose="02030602050306030303" pitchFamily="18" charset="0"/>
+              </a:rPr>
+              <a:t>()</a:t>
+            </a:r>
+            <a:r>
+              <a:rPr lang="fr-FR" sz="2400" dirty="0">
+                <a:latin typeface="Constantia" panose="02030602050306030303" pitchFamily="18" charset="0"/>
+              </a:rPr>
+              <a:t> </a:t>
             </a:r>
             <a:endParaRPr lang="en-US" sz="2400" dirty="0">
               <a:latin typeface="Constantia" panose="02030602050306030303" pitchFamily="18" charset="0"/>
@@ -6887,10 +6977,22 @@
               <a:buChar char="•"/>
             </a:pPr>
             <a:r>
+              <a:rPr lang="fr-SN" sz="2400" dirty="0" err="1">
+                <a:latin typeface="Constantia" panose="02030602050306030303" pitchFamily="18" charset="0"/>
+              </a:rPr>
+              <a:t>Substring</a:t>
+            </a:r>
+            <a:r>
               <a:rPr lang="fr-SN" sz="2400" dirty="0">
                 <a:latin typeface="Constantia" panose="02030602050306030303" pitchFamily="18" charset="0"/>
               </a:rPr>
-              <a:t>Sort()</a:t>
+              <a:t>(), slice()</a:t>
+            </a:r>
+            <a:r>
+              <a:rPr lang="fr-FR" sz="2400" dirty="0">
+                <a:latin typeface="Constantia" panose="02030602050306030303" pitchFamily="18" charset="0"/>
+              </a:rPr>
+              <a:t> </a:t>
             </a:r>
             <a:endParaRPr lang="en-US" sz="2400" dirty="0">
               <a:latin typeface="Constantia" panose="02030602050306030303" pitchFamily="18" charset="0"/>
@@ -6928,7 +7030,7 @@
               <a:rPr lang="fr-SN" sz="2400" dirty="0" err="1">
                 <a:latin typeface="Constantia" panose="02030602050306030303" pitchFamily="18" charset="0"/>
               </a:rPr>
-              <a:t>splice</a:t>
+              <a:t>Includes</a:t>
             </a:r>
             <a:r>
               <a:rPr lang="fr-SN" sz="2400" dirty="0">
@@ -6978,7 +7080,7 @@
               <a:rPr lang="fr-SN" sz="2400" dirty="0" err="1">
                 <a:latin typeface="Constantia" panose="02030602050306030303" pitchFamily="18" charset="0"/>
               </a:rPr>
-              <a:t>fill</a:t>
+              <a:t>indexOf</a:t>
             </a:r>
             <a:r>
               <a:rPr lang="fr-SN" sz="2400" dirty="0">
@@ -7028,7 +7130,7 @@
               <a:rPr lang="fr-SN" sz="2400" dirty="0" err="1">
                 <a:latin typeface="Constantia" panose="02030602050306030303" pitchFamily="18" charset="0"/>
               </a:rPr>
-              <a:t>find</a:t>
+              <a:t>toLowerCase</a:t>
             </a:r>
             <a:r>
               <a:rPr lang="fr-SN" sz="2400" dirty="0">
@@ -7040,7 +7142,7 @@
               <a:rPr lang="fr-SN" sz="2400" dirty="0" err="1">
                 <a:latin typeface="Constantia" panose="02030602050306030303" pitchFamily="18" charset="0"/>
               </a:rPr>
-              <a:t>findIndex</a:t>
+              <a:t>toUpperCase</a:t>
             </a:r>
             <a:r>
               <a:rPr lang="fr-SN" sz="2400" dirty="0">
@@ -7063,7 +7165,7 @@
     </p:spTree>
     <p:extLst>
       <p:ext uri="{BB962C8B-B14F-4D97-AF65-F5344CB8AC3E}">
-        <p14:creationId xmlns:p14="http://schemas.microsoft.com/office/powerpoint/2010/main" val="3105935092"/>
+        <p14:creationId xmlns:p14="http://schemas.microsoft.com/office/powerpoint/2010/main" val="4109401895"/>
       </p:ext>
     </p:extLst>
   </p:cSld>
@@ -19241,7 +19343,7 @@
               <a:rPr lang="fr-SN" sz="3600" dirty="0">
                 <a:latin typeface="Constantia" panose="02030602050306030303" pitchFamily="18" charset="0"/>
               </a:rPr>
-              <a:t>Les chaines de caractères</a:t>
+              <a:t>Les Tableaux</a:t>
             </a:r>
             <a:endParaRPr lang="en-US" sz="3600" dirty="0">
               <a:latin typeface="Constantia" panose="02030602050306030303" pitchFamily="18" charset="0"/>
@@ -19314,16 +19416,10 @@
               <a:buChar char="•"/>
             </a:pPr>
             <a:r>
-              <a:rPr lang="fr-SN" sz="2400" dirty="0" err="1">
-                <a:latin typeface="Constantia" panose="02030602050306030303" pitchFamily="18" charset="0"/>
-              </a:rPr>
-              <a:t>charAt</a:t>
-            </a:r>
-            <a:r>
               <a:rPr lang="fr-SN" sz="2400" dirty="0">
                 <a:latin typeface="Constantia" panose="02030602050306030303" pitchFamily="18" charset="0"/>
               </a:rPr>
-              <a:t>(), []</a:t>
+              <a:t>at(), []</a:t>
             </a:r>
             <a:r>
               <a:rPr lang="fr-FR" sz="2400" dirty="0">
@@ -19367,7 +19463,7 @@
               <a:rPr lang="fr-SN" sz="2400" dirty="0" err="1">
                 <a:latin typeface="Constantia" panose="02030602050306030303" pitchFamily="18" charset="0"/>
               </a:rPr>
-              <a:t>Concat</a:t>
+              <a:t>forEach</a:t>
             </a:r>
             <a:r>
               <a:rPr lang="fr-SN" sz="2400" dirty="0">
@@ -19417,31 +19513,13 @@
               <a:rPr lang="fr-SN" sz="2400" dirty="0" err="1">
                 <a:latin typeface="Constantia" panose="02030602050306030303" pitchFamily="18" charset="0"/>
               </a:rPr>
-              <a:t>startsWith</a:t>
+              <a:t>join</a:t>
             </a:r>
             <a:r>
               <a:rPr lang="fr-SN" sz="2400" dirty="0">
                 <a:latin typeface="Constantia" panose="02030602050306030303" pitchFamily="18" charset="0"/>
               </a:rPr>
-              <a:t>(), </a:t>
-            </a:r>
-            <a:r>
-              <a:rPr lang="fr-SN" sz="2400" dirty="0" err="1">
-                <a:latin typeface="Constantia" panose="02030602050306030303" pitchFamily="18" charset="0"/>
-              </a:rPr>
-              <a:t>endsWith</a:t>
-            </a:r>
-            <a:r>
-              <a:rPr lang="fr-SN" sz="2400" dirty="0">
-                <a:latin typeface="Constantia" panose="02030602050306030303" pitchFamily="18" charset="0"/>
-              </a:rPr>
               <a:t>()</a:t>
-            </a:r>
-            <a:r>
-              <a:rPr lang="fr-FR" sz="2400" dirty="0">
-                <a:latin typeface="Constantia" panose="02030602050306030303" pitchFamily="18" charset="0"/>
-              </a:rPr>
-              <a:t> </a:t>
             </a:r>
             <a:endParaRPr lang="en-US" sz="2400" dirty="0">
               <a:latin typeface="Constantia" panose="02030602050306030303" pitchFamily="18" charset="0"/>
@@ -19476,34 +19554,10 @@
               <a:buChar char="•"/>
             </a:pPr>
             <a:r>
-              <a:rPr lang="fr-SN" sz="2400" dirty="0" err="1">
-                <a:latin typeface="Constantia" panose="02030602050306030303" pitchFamily="18" charset="0"/>
-              </a:rPr>
-              <a:t>padStart</a:t>
-            </a:r>
-            <a:r>
               <a:rPr lang="fr-SN" sz="2400" dirty="0">
                 <a:latin typeface="Constantia" panose="02030602050306030303" pitchFamily="18" charset="0"/>
               </a:rPr>
-              <a:t>(), </a:t>
-            </a:r>
-            <a:r>
-              <a:rPr lang="fr-SN" sz="2400" dirty="0" err="1">
-                <a:latin typeface="Constantia" panose="02030602050306030303" pitchFamily="18" charset="0"/>
-              </a:rPr>
-              <a:t>padEnd</a:t>
-            </a:r>
-            <a:r>
-              <a:rPr lang="fr-SN" sz="2400" dirty="0">
-                <a:latin typeface="Constantia" panose="02030602050306030303" pitchFamily="18" charset="0"/>
-              </a:rPr>
-              <a:t>()</a:t>
-            </a:r>
-            <a:r>
-              <a:rPr lang="fr-FR" sz="2400" dirty="0">
-                <a:latin typeface="Constantia" panose="02030602050306030303" pitchFamily="18" charset="0"/>
-              </a:rPr>
-              <a:t> </a:t>
+              <a:t>push()</a:t>
             </a:r>
             <a:endParaRPr lang="en-US" sz="2400" dirty="0">
               <a:latin typeface="Constantia" panose="02030602050306030303" pitchFamily="18" charset="0"/>
@@ -19541,37 +19595,13 @@
               <a:rPr lang="fr-SN" sz="2400" dirty="0" err="1">
                 <a:latin typeface="Constantia" panose="02030602050306030303" pitchFamily="18" charset="0"/>
               </a:rPr>
-              <a:t>Trim</a:t>
+              <a:t>unshift</a:t>
             </a:r>
             <a:r>
               <a:rPr lang="fr-SN" sz="2400" dirty="0">
                 <a:latin typeface="Constantia" panose="02030602050306030303" pitchFamily="18" charset="0"/>
               </a:rPr>
-              <a:t>(), </a:t>
-            </a:r>
-            <a:r>
-              <a:rPr lang="fr-SN" sz="2400" dirty="0" err="1">
-                <a:latin typeface="Constantia" panose="02030602050306030303" pitchFamily="18" charset="0"/>
-              </a:rPr>
-              <a:t>trimStart</a:t>
-            </a:r>
-            <a:r>
-              <a:rPr lang="fr-SN" sz="2400" dirty="0">
-                <a:latin typeface="Constantia" panose="02030602050306030303" pitchFamily="18" charset="0"/>
-              </a:rPr>
-              <a:t>(), </a:t>
-            </a:r>
-            <a:r>
-              <a:rPr lang="fr-SN" sz="2400" dirty="0" err="1">
-                <a:latin typeface="Constantia" panose="02030602050306030303" pitchFamily="18" charset="0"/>
-              </a:rPr>
-              <a:t>trimEnd</a:t>
-            </a:r>
-            <a:r>
-              <a:rPr lang="fr-SN" sz="2400" dirty="0">
-                <a:latin typeface="Constantia" panose="02030602050306030303" pitchFamily="18" charset="0"/>
-              </a:rPr>
-              <a:t>()</a:t>
+              <a:t>(), shift ()</a:t>
             </a:r>
             <a:r>
               <a:rPr lang="fr-FR" sz="2400" dirty="0">
@@ -19615,7 +19645,7 @@
               <a:rPr lang="fr-SN" sz="2400" dirty="0">
                 <a:latin typeface="Constantia" panose="02030602050306030303" pitchFamily="18" charset="0"/>
               </a:rPr>
-              <a:t>Repeat()</a:t>
+              <a:t>pop()</a:t>
             </a:r>
             <a:r>
               <a:rPr lang="fr-FR" sz="2400" dirty="0">
@@ -19659,25 +19689,7 @@
               <a:rPr lang="fr-SN" sz="2400" dirty="0">
                 <a:latin typeface="Constantia" panose="02030602050306030303" pitchFamily="18" charset="0"/>
               </a:rPr>
-              <a:t>Replace(), </a:t>
-            </a:r>
-            <a:r>
-              <a:rPr lang="fr-SN" sz="2400" dirty="0" err="1">
-                <a:latin typeface="Constantia" panose="02030602050306030303" pitchFamily="18" charset="0"/>
-              </a:rPr>
-              <a:t>replaceAll</a:t>
-            </a:r>
-            <a:r>
-              <a:rPr lang="fr-SN" sz="2400" dirty="0">
-                <a:latin typeface="Constantia" panose="02030602050306030303" pitchFamily="18" charset="0"/>
-              </a:rPr>
-              <a:t>()</a:t>
-            </a:r>
-            <a:r>
-              <a:rPr lang="fr-FR" sz="2400" dirty="0">
-                <a:latin typeface="Constantia" panose="02030602050306030303" pitchFamily="18" charset="0"/>
-              </a:rPr>
-              <a:t> </a:t>
+              <a:t>Reverse()</a:t>
             </a:r>
             <a:endParaRPr lang="en-US" sz="2400" dirty="0">
               <a:latin typeface="Constantia" panose="02030602050306030303" pitchFamily="18" charset="0"/>
@@ -19712,22 +19724,10 @@
               <a:buChar char="•"/>
             </a:pPr>
             <a:r>
-              <a:rPr lang="fr-SN" sz="2400" dirty="0" err="1">
-                <a:latin typeface="Constantia" panose="02030602050306030303" pitchFamily="18" charset="0"/>
-              </a:rPr>
-              <a:t>Substring</a:t>
-            </a:r>
-            <a:r>
               <a:rPr lang="fr-SN" sz="2400" dirty="0">
                 <a:latin typeface="Constantia" panose="02030602050306030303" pitchFamily="18" charset="0"/>
               </a:rPr>
-              <a:t>(), slice()</a:t>
-            </a:r>
-            <a:r>
-              <a:rPr lang="fr-FR" sz="2400" dirty="0">
-                <a:latin typeface="Constantia" panose="02030602050306030303" pitchFamily="18" charset="0"/>
-              </a:rPr>
-              <a:t> </a:t>
+              <a:t>Sort()</a:t>
             </a:r>
             <a:endParaRPr lang="en-US" sz="2400" dirty="0">
               <a:latin typeface="Constantia" panose="02030602050306030303" pitchFamily="18" charset="0"/>
@@ -19765,7 +19765,7 @@
               <a:rPr lang="fr-SN" sz="2400" dirty="0" err="1">
                 <a:latin typeface="Constantia" panose="02030602050306030303" pitchFamily="18" charset="0"/>
               </a:rPr>
-              <a:t>Includes</a:t>
+              <a:t>splice</a:t>
             </a:r>
             <a:r>
               <a:rPr lang="fr-SN" sz="2400" dirty="0">
@@ -19815,7 +19815,7 @@
               <a:rPr lang="fr-SN" sz="2400" dirty="0" err="1">
                 <a:latin typeface="Constantia" panose="02030602050306030303" pitchFamily="18" charset="0"/>
               </a:rPr>
-              <a:t>indexOf</a:t>
+              <a:t>fill</a:t>
             </a:r>
             <a:r>
               <a:rPr lang="fr-SN" sz="2400" dirty="0">
@@ -19865,7 +19865,7 @@
               <a:rPr lang="fr-SN" sz="2400" dirty="0" err="1">
                 <a:latin typeface="Constantia" panose="02030602050306030303" pitchFamily="18" charset="0"/>
               </a:rPr>
-              <a:t>toLowerCase</a:t>
+              <a:t>find</a:t>
             </a:r>
             <a:r>
               <a:rPr lang="fr-SN" sz="2400" dirty="0">
@@ -19877,7 +19877,7 @@
               <a:rPr lang="fr-SN" sz="2400" dirty="0" err="1">
                 <a:latin typeface="Constantia" panose="02030602050306030303" pitchFamily="18" charset="0"/>
               </a:rPr>
-              <a:t>toUpperCase</a:t>
+              <a:t>findIndex</a:t>
             </a:r>
             <a:r>
               <a:rPr lang="fr-SN" sz="2400" dirty="0">
@@ -19900,7 +19900,7 @@
     </p:spTree>
     <p:extLst>
       <p:ext uri="{BB962C8B-B14F-4D97-AF65-F5344CB8AC3E}">
-        <p14:creationId xmlns:p14="http://schemas.microsoft.com/office/powerpoint/2010/main" val="4109401895"/>
+        <p14:creationId xmlns:p14="http://schemas.microsoft.com/office/powerpoint/2010/main" val="3105935092"/>
       </p:ext>
     </p:extLst>
   </p:cSld>
